--- a/Report/block diagram.pptx
+++ b/Report/block diagram.pptx
@@ -10,6 +10,7 @@
     <p:sldId id="258" r:id="rId4"/>
     <p:sldId id="259" r:id="rId5"/>
     <p:sldId id="260" r:id="rId6"/>
+    <p:sldId id="261" r:id="rId7"/>
   </p:sldIdLst>
   <p:sldSz cx="12192000" cy="6858000"/>
   <p:notesSz cx="6858000" cy="9144000"/>
@@ -119,7 +120,7 @@
 <file path=ppt/revisionInfo.xml><?xml version="1.0" encoding="utf-8"?>
 <p1510:revInfo xmlns:a="http://schemas.openxmlformats.org/drawingml/2006/main" xmlns:r="http://schemas.openxmlformats.org/officeDocument/2006/relationships" xmlns:p1510="http://schemas.microsoft.com/office/powerpoint/2015/10/main">
   <p1510:revLst>
-    <p1510:client id="{699A4B00-6657-4AEA-B206-F3D7F2908FD7}" v="31" dt="2019-04-29T10:37:20.754"/>
+    <p1510:client id="{699A4B00-6657-4AEA-B206-F3D7F2908FD7}" v="71" dt="2019-04-29T14:20:58.828"/>
   </p1510:revLst>
 </p1510:revInfo>
 </file>
@@ -128,11 +129,42 @@
 <pc:chgInfo xmlns:a="http://schemas.openxmlformats.org/drawingml/2006/main" xmlns:r="http://schemas.openxmlformats.org/officeDocument/2006/relationships" xmlns:ac="http://schemas.microsoft.com/office/drawing/2013/main/command" xmlns:pc="http://schemas.microsoft.com/office/powerpoint/2013/main/command">
   <pc:docChgLst>
     <pc:chgData name="Newman, Medad" userId="df029c08-621b-4b4e-a6b5-2e77e22cc0dd" providerId="ADAL" clId="{699A4B00-6657-4AEA-B206-F3D7F2908FD7}"/>
-    <pc:docChg chg="undo custSel modSld">
-      <pc:chgData name="Newman, Medad" userId="df029c08-621b-4b4e-a6b5-2e77e22cc0dd" providerId="ADAL" clId="{699A4B00-6657-4AEA-B206-F3D7F2908FD7}" dt="2019-04-29T10:37:20.754" v="30" actId="164"/>
+    <pc:docChg chg="undo custSel addSld modSld">
+      <pc:chgData name="Newman, Medad" userId="df029c08-621b-4b4e-a6b5-2e77e22cc0dd" providerId="ADAL" clId="{699A4B00-6657-4AEA-B206-F3D7F2908FD7}" dt="2019-04-29T14:20:58.828" v="70" actId="20577"/>
       <pc:docMkLst>
         <pc:docMk/>
       </pc:docMkLst>
+      <pc:sldChg chg="addSp delSp modSp">
+        <pc:chgData name="Newman, Medad" userId="df029c08-621b-4b4e-a6b5-2e77e22cc0dd" providerId="ADAL" clId="{699A4B00-6657-4AEA-B206-F3D7F2908FD7}" dt="2019-04-29T14:20:58.828" v="70" actId="20577"/>
+        <pc:sldMkLst>
+          <pc:docMk/>
+          <pc:sldMk cId="1668142288" sldId="257"/>
+        </pc:sldMkLst>
+        <pc:spChg chg="add mod">
+          <ac:chgData name="Newman, Medad" userId="df029c08-621b-4b4e-a6b5-2e77e22cc0dd" providerId="ADAL" clId="{699A4B00-6657-4AEA-B206-F3D7F2908FD7}" dt="2019-04-29T14:20:46.171" v="61"/>
+          <ac:spMkLst>
+            <pc:docMk/>
+            <pc:sldMk cId="1668142288" sldId="257"/>
+            <ac:spMk id="2" creationId="{484ACD72-089C-4919-AF3C-6343A5D2953F}"/>
+          </ac:spMkLst>
+        </pc:spChg>
+        <pc:spChg chg="add del mod">
+          <ac:chgData name="Newman, Medad" userId="df029c08-621b-4b4e-a6b5-2e77e22cc0dd" providerId="ADAL" clId="{699A4B00-6657-4AEA-B206-F3D7F2908FD7}" dt="2019-04-29T14:20:53.653" v="64" actId="478"/>
+          <ac:spMkLst>
+            <pc:docMk/>
+            <pc:sldMk cId="1668142288" sldId="257"/>
+            <ac:spMk id="11" creationId="{CEA0E837-0990-4EF9-AE17-4753A1AA3617}"/>
+          </ac:spMkLst>
+        </pc:spChg>
+        <pc:spChg chg="add mod">
+          <ac:chgData name="Newman, Medad" userId="df029c08-621b-4b4e-a6b5-2e77e22cc0dd" providerId="ADAL" clId="{699A4B00-6657-4AEA-B206-F3D7F2908FD7}" dt="2019-04-29T14:20:58.828" v="70" actId="20577"/>
+          <ac:spMkLst>
+            <pc:docMk/>
+            <pc:sldMk cId="1668142288" sldId="257"/>
+            <ac:spMk id="12" creationId="{59F718E0-FA07-4313-8FF3-0F2D3C49566A}"/>
+          </ac:spMkLst>
+        </pc:spChg>
+      </pc:sldChg>
       <pc:sldChg chg="addSp delSp modSp">
         <pc:chgData name="Newman, Medad" userId="df029c08-621b-4b4e-a6b5-2e77e22cc0dd" providerId="ADAL" clId="{699A4B00-6657-4AEA-B206-F3D7F2908FD7}" dt="2019-04-29T10:15:45.173" v="23" actId="478"/>
         <pc:sldMkLst>
@@ -186,6 +218,45 @@
             <ac:picMk id="3" creationId="{C1929D16-12E8-4648-B313-1E2A0797C575}"/>
           </ac:picMkLst>
         </pc:picChg>
+      </pc:sldChg>
+      <pc:sldChg chg="addSp delSp modSp add">
+        <pc:chgData name="Newman, Medad" userId="df029c08-621b-4b4e-a6b5-2e77e22cc0dd" providerId="ADAL" clId="{699A4B00-6657-4AEA-B206-F3D7F2908FD7}" dt="2019-04-29T13:17:56.765" v="35" actId="478"/>
+        <pc:sldMkLst>
+          <pc:docMk/>
+          <pc:sldMk cId="2065469348" sldId="261"/>
+        </pc:sldMkLst>
+        <pc:spChg chg="del">
+          <ac:chgData name="Newman, Medad" userId="df029c08-621b-4b4e-a6b5-2e77e22cc0dd" providerId="ADAL" clId="{699A4B00-6657-4AEA-B206-F3D7F2908FD7}" dt="2019-04-29T13:17:38.297" v="32" actId="478"/>
+          <ac:spMkLst>
+            <pc:docMk/>
+            <pc:sldMk cId="2065469348" sldId="261"/>
+            <ac:spMk id="2" creationId="{3EE7DB4A-4043-4E69-AA84-5A8657082CA4}"/>
+          </ac:spMkLst>
+        </pc:spChg>
+        <pc:spChg chg="del">
+          <ac:chgData name="Newman, Medad" userId="df029c08-621b-4b4e-a6b5-2e77e22cc0dd" providerId="ADAL" clId="{699A4B00-6657-4AEA-B206-F3D7F2908FD7}" dt="2019-04-29T13:17:38.297" v="32" actId="478"/>
+          <ac:spMkLst>
+            <pc:docMk/>
+            <pc:sldMk cId="2065469348" sldId="261"/>
+            <ac:spMk id="3" creationId="{DFFB8C1B-7F8C-440E-A27A-2FFD8CB9ED5D}"/>
+          </ac:spMkLst>
+        </pc:spChg>
+        <pc:spChg chg="add mod">
+          <ac:chgData name="Newman, Medad" userId="df029c08-621b-4b4e-a6b5-2e77e22cc0dd" providerId="ADAL" clId="{699A4B00-6657-4AEA-B206-F3D7F2908FD7}" dt="2019-04-29T13:17:43.328" v="33" actId="11529"/>
+          <ac:spMkLst>
+            <pc:docMk/>
+            <pc:sldMk cId="2065469348" sldId="261"/>
+            <ac:spMk id="4" creationId="{84CD3F70-819E-4347-A05B-DA44E1604804}"/>
+          </ac:spMkLst>
+        </pc:spChg>
+        <pc:spChg chg="add del mod">
+          <ac:chgData name="Newman, Medad" userId="df029c08-621b-4b4e-a6b5-2e77e22cc0dd" providerId="ADAL" clId="{699A4B00-6657-4AEA-B206-F3D7F2908FD7}" dt="2019-04-29T13:17:56.765" v="35" actId="478"/>
+          <ac:spMkLst>
+            <pc:docMk/>
+            <pc:sldMk cId="2065469348" sldId="261"/>
+            <ac:spMk id="5" creationId="{7AA596EF-8F0C-4E1F-8D66-9B3C4C3C45A7}"/>
+          </ac:spMkLst>
+        </pc:spChg>
       </pc:sldChg>
     </pc:docChg>
   </pc:docChgLst>
@@ -5645,6 +5716,76 @@
           <a:p>
             <a:pPr algn="ctr"/>
             <a:endParaRPr lang="en-GB"/>
+          </a:p>
+        </p:txBody>
+      </p:sp>
+      <p:sp>
+        <p:nvSpPr>
+          <p:cNvPr id="2" name="TextBox 1">
+            <a:extLst>
+              <a:ext uri="{FF2B5EF4-FFF2-40B4-BE49-F238E27FC236}">
+                <a16:creationId xmlns:a16="http://schemas.microsoft.com/office/drawing/2014/main" id="{484ACD72-089C-4919-AF3C-6343A5D2953F}"/>
+              </a:ext>
+            </a:extLst>
+          </p:cNvPr>
+          <p:cNvSpPr txBox="1"/>
+          <p:nvPr/>
+        </p:nvSpPr>
+        <p:spPr>
+          <a:xfrm>
+            <a:off x="4362274" y="1249960"/>
+            <a:ext cx="1208859" cy="369332"/>
+          </a:xfrm>
+          <a:prstGeom prst="rect">
+            <a:avLst/>
+          </a:prstGeom>
+          <a:noFill/>
+        </p:spPr>
+        <p:txBody>
+          <a:bodyPr wrap="square" rtlCol="0">
+            <a:spAutoFit/>
+          </a:bodyPr>
+          <a:lstStyle/>
+          <a:p>
+            <a:r>
+              <a:rPr lang="en-GB" dirty="0"/>
+              <a:t>20°</a:t>
+            </a:r>
+          </a:p>
+        </p:txBody>
+      </p:sp>
+      <p:sp>
+        <p:nvSpPr>
+          <p:cNvPr id="12" name="TextBox 11">
+            <a:extLst>
+              <a:ext uri="{FF2B5EF4-FFF2-40B4-BE49-F238E27FC236}">
+                <a16:creationId xmlns:a16="http://schemas.microsoft.com/office/drawing/2014/main" id="{59F718E0-FA07-4313-8FF3-0F2D3C49566A}"/>
+              </a:ext>
+            </a:extLst>
+          </p:cNvPr>
+          <p:cNvSpPr txBox="1"/>
+          <p:nvPr/>
+        </p:nvSpPr>
+        <p:spPr>
+          <a:xfrm>
+            <a:off x="5579458" y="2409039"/>
+            <a:ext cx="1208859" cy="369332"/>
+          </a:xfrm>
+          <a:prstGeom prst="rect">
+            <a:avLst/>
+          </a:prstGeom>
+          <a:noFill/>
+        </p:spPr>
+        <p:txBody>
+          <a:bodyPr wrap="square" rtlCol="0">
+            <a:spAutoFit/>
+          </a:bodyPr>
+          <a:lstStyle/>
+          <a:p>
+            <a:r>
+              <a:rPr lang="en-GB" dirty="0"/>
+              <a:t>50°</a:t>
+            </a:r>
           </a:p>
         </p:txBody>
       </p:sp>
@@ -8732,6 +8873,82 @@
 </p:sld>
 </file>
 
+<file path=ppt/slides/slide6.xml><?xml version="1.0" encoding="utf-8"?>
+<p:sld xmlns:a="http://schemas.openxmlformats.org/drawingml/2006/main" xmlns:r="http://schemas.openxmlformats.org/officeDocument/2006/relationships" xmlns:p="http://schemas.openxmlformats.org/presentationml/2006/main">
+  <p:cSld>
+    <p:spTree>
+      <p:nvGrpSpPr>
+        <p:cNvPr id="1" name=""/>
+        <p:cNvGrpSpPr/>
+        <p:nvPr/>
+      </p:nvGrpSpPr>
+      <p:grpSpPr>
+        <a:xfrm>
+          <a:off x="0" y="0"/>
+          <a:ext cx="0" cy="0"/>
+          <a:chOff x="0" y="0"/>
+          <a:chExt cx="0" cy="0"/>
+        </a:xfrm>
+      </p:grpSpPr>
+      <p:sp>
+        <p:nvSpPr>
+          <p:cNvPr id="4" name="Rectangle 3">
+            <a:extLst>
+              <a:ext uri="{FF2B5EF4-FFF2-40B4-BE49-F238E27FC236}">
+                <a16:creationId xmlns:a16="http://schemas.microsoft.com/office/drawing/2014/main" id="{84CD3F70-819E-4347-A05B-DA44E1604804}"/>
+              </a:ext>
+            </a:extLst>
+          </p:cNvPr>
+          <p:cNvSpPr/>
+          <p:nvPr/>
+        </p:nvSpPr>
+        <p:spPr>
+          <a:xfrm>
+            <a:off x="3858936" y="2499919"/>
+            <a:ext cx="3699545" cy="855677"/>
+          </a:xfrm>
+          <a:prstGeom prst="rect">
+            <a:avLst/>
+          </a:prstGeom>
+        </p:spPr>
+        <p:style>
+          <a:lnRef idx="2">
+            <a:schemeClr val="accent1">
+              <a:shade val="50000"/>
+            </a:schemeClr>
+          </a:lnRef>
+          <a:fillRef idx="1">
+            <a:schemeClr val="accent1"/>
+          </a:fillRef>
+          <a:effectRef idx="0">
+            <a:schemeClr val="accent1"/>
+          </a:effectRef>
+          <a:fontRef idx="minor">
+            <a:schemeClr val="lt1"/>
+          </a:fontRef>
+        </p:style>
+        <p:txBody>
+          <a:bodyPr rtlCol="0" anchor="ctr"/>
+          <a:lstStyle/>
+          <a:p>
+            <a:pPr algn="ctr"/>
+            <a:endParaRPr lang="en-GB"/>
+          </a:p>
+        </p:txBody>
+      </p:sp>
+    </p:spTree>
+    <p:extLst>
+      <p:ext uri="{BB962C8B-B14F-4D97-AF65-F5344CB8AC3E}">
+        <p14:creationId xmlns:p14="http://schemas.microsoft.com/office/powerpoint/2010/main" val="2065469348"/>
+      </p:ext>
+    </p:extLst>
+  </p:cSld>
+  <p:clrMapOvr>
+    <a:masterClrMapping/>
+  </p:clrMapOvr>
+</p:sld>
+</file>
+
 <file path=ppt/theme/theme1.xml><?xml version="1.0" encoding="utf-8"?>
 <a:theme xmlns:a="http://schemas.openxmlformats.org/drawingml/2006/main" name="Office Theme">
   <a:themeElements>
